--- a/presentation.pptx
+++ b/presentation.pptx
@@ -14913,15 +14913,7 @@
             <a:pPr lvl="2"/>
             <a:r>
               <a:rPr lang="en-US" dirty="0"/>
-              <a:t>What did </a:t>
-            </a:r>
-            <a:r>
-              <a:rPr lang="en-US" dirty="0" err="1"/>
-              <a:t>Spectre</a:t>
-            </a:r>
-            <a:r>
-              <a:rPr lang="en-US" dirty="0"/>
-              <a:t> do?</a:t>
+              <a:t>What can we do?</a:t>
             </a:r>
           </a:p>
         </p:txBody>
@@ -14976,8 +14968,8 @@
         </p:nvSpPr>
         <p:spPr>
           <a:xfrm>
-            <a:off x="4679519" y="6214005"/>
-            <a:ext cx="3322640" cy="523220"/>
+            <a:off x="2575809" y="6214005"/>
+            <a:ext cx="7530075" cy="523220"/>
           </a:xfrm>
           <a:prstGeom prst="rect">
             <a:avLst/>
@@ -15011,7 +15003,27 @@
                 </a:solidFill>
                 <a:effectLst/>
               </a:rPr>
-              <a:t>Great Artists Steal</a:t>
+              <a:t>Great Artists Steal (Slide from Yuval </a:t>
+            </a:r>
+            <a:r>
+              <a:rPr lang="en-US" sz="2800" b="1" cap="none" spc="0" dirty="0" err="1">
+                <a:ln/>
+                <a:solidFill>
+                  <a:schemeClr val="accent3"/>
+                </a:solidFill>
+                <a:effectLst/>
+              </a:rPr>
+              <a:t>Yarom</a:t>
+            </a:r>
+            <a:r>
+              <a:rPr lang="en-US" sz="2800" b="1" cap="none" spc="0" dirty="0">
+                <a:ln/>
+                <a:solidFill>
+                  <a:schemeClr val="accent3"/>
+                </a:solidFill>
+                <a:effectLst/>
+              </a:rPr>
+              <a:t>)</a:t>
             </a:r>
           </a:p>
         </p:txBody>
